--- a/Tech_Options.pptx
+++ b/Tech_Options.pptx
@@ -6,6 +6,7 @@
   </p:sldMasterIdLst>
   <p:sldIdLst>
     <p:sldId id="256" r:id="rId2"/>
+    <p:sldId id="257" r:id="rId3"/>
   </p:sldIdLst>
   <p:sldSz cx="12192000" cy="6858000"/>
   <p:notesSz cx="6858000" cy="9144000"/>
@@ -259,7 +260,7 @@
           <a:p>
             <a:fld id="{AE0BF845-DBD1-477C-A443-6453908E82A6}" type="datetimeFigureOut">
               <a:rPr lang="en-US" smtClean="0"/>
-              <a:t>2/19/2023</a:t>
+              <a:t>3/3/2023</a:t>
             </a:fld>
             <a:endParaRPr lang="en-US"/>
           </a:p>
@@ -457,7 +458,7 @@
           <a:p>
             <a:fld id="{AE0BF845-DBD1-477C-A443-6453908E82A6}" type="datetimeFigureOut">
               <a:rPr lang="en-US" smtClean="0"/>
-              <a:t>2/19/2023</a:t>
+              <a:t>3/3/2023</a:t>
             </a:fld>
             <a:endParaRPr lang="en-US"/>
           </a:p>
@@ -665,7 +666,7 @@
           <a:p>
             <a:fld id="{AE0BF845-DBD1-477C-A443-6453908E82A6}" type="datetimeFigureOut">
               <a:rPr lang="en-US" smtClean="0"/>
-              <a:t>2/19/2023</a:t>
+              <a:t>3/3/2023</a:t>
             </a:fld>
             <a:endParaRPr lang="en-US"/>
           </a:p>
@@ -863,7 +864,7 @@
           <a:p>
             <a:fld id="{AE0BF845-DBD1-477C-A443-6453908E82A6}" type="datetimeFigureOut">
               <a:rPr lang="en-US" smtClean="0"/>
-              <a:t>2/19/2023</a:t>
+              <a:t>3/3/2023</a:t>
             </a:fld>
             <a:endParaRPr lang="en-US"/>
           </a:p>
@@ -1138,7 +1139,7 @@
           <a:p>
             <a:fld id="{AE0BF845-DBD1-477C-A443-6453908E82A6}" type="datetimeFigureOut">
               <a:rPr lang="en-US" smtClean="0"/>
-              <a:t>2/19/2023</a:t>
+              <a:t>3/3/2023</a:t>
             </a:fld>
             <a:endParaRPr lang="en-US"/>
           </a:p>
@@ -1403,7 +1404,7 @@
           <a:p>
             <a:fld id="{AE0BF845-DBD1-477C-A443-6453908E82A6}" type="datetimeFigureOut">
               <a:rPr lang="en-US" smtClean="0"/>
-              <a:t>2/19/2023</a:t>
+              <a:t>3/3/2023</a:t>
             </a:fld>
             <a:endParaRPr lang="en-US"/>
           </a:p>
@@ -1815,7 +1816,7 @@
           <a:p>
             <a:fld id="{AE0BF845-DBD1-477C-A443-6453908E82A6}" type="datetimeFigureOut">
               <a:rPr lang="en-US" smtClean="0"/>
-              <a:t>2/19/2023</a:t>
+              <a:t>3/3/2023</a:t>
             </a:fld>
             <a:endParaRPr lang="en-US"/>
           </a:p>
@@ -1956,7 +1957,7 @@
           <a:p>
             <a:fld id="{AE0BF845-DBD1-477C-A443-6453908E82A6}" type="datetimeFigureOut">
               <a:rPr lang="en-US" smtClean="0"/>
-              <a:t>2/19/2023</a:t>
+              <a:t>3/3/2023</a:t>
             </a:fld>
             <a:endParaRPr lang="en-US"/>
           </a:p>
@@ -2069,7 +2070,7 @@
           <a:p>
             <a:fld id="{AE0BF845-DBD1-477C-A443-6453908E82A6}" type="datetimeFigureOut">
               <a:rPr lang="en-US" smtClean="0"/>
-              <a:t>2/19/2023</a:t>
+              <a:t>3/3/2023</a:t>
             </a:fld>
             <a:endParaRPr lang="en-US"/>
           </a:p>
@@ -2380,7 +2381,7 @@
           <a:p>
             <a:fld id="{AE0BF845-DBD1-477C-A443-6453908E82A6}" type="datetimeFigureOut">
               <a:rPr lang="en-US" smtClean="0"/>
-              <a:t>2/19/2023</a:t>
+              <a:t>3/3/2023</a:t>
             </a:fld>
             <a:endParaRPr lang="en-US"/>
           </a:p>
@@ -2668,7 +2669,7 @@
           <a:p>
             <a:fld id="{AE0BF845-DBD1-477C-A443-6453908E82A6}" type="datetimeFigureOut">
               <a:rPr lang="en-US" smtClean="0"/>
-              <a:t>2/19/2023</a:t>
+              <a:t>3/3/2023</a:t>
             </a:fld>
             <a:endParaRPr lang="en-US"/>
           </a:p>
@@ -2909,7 +2910,7 @@
           <a:p>
             <a:fld id="{AE0BF845-DBD1-477C-A443-6453908E82A6}" type="datetimeFigureOut">
               <a:rPr lang="en-US" smtClean="0"/>
-              <a:t>2/19/2023</a:t>
+              <a:t>3/3/2023</a:t>
             </a:fld>
             <a:endParaRPr lang="en-US"/>
           </a:p>
@@ -3520,7 +3521,7 @@
         <p:spPr>
           <a:xfrm>
             <a:off x="4822370" y="1890031"/>
-            <a:ext cx="2812597" cy="923330"/>
+            <a:ext cx="2812597" cy="1754326"/>
           </a:xfrm>
           <a:prstGeom prst="rect">
             <a:avLst/>
@@ -3564,6 +3565,24 @@
               <a:t>drawtext</a:t>
             </a:r>
             <a:endParaRPr lang="en-US" dirty="0"/>
+          </a:p>
+          <a:p>
+            <a:pPr marL="285750" indent="-285750">
+              <a:buFont typeface="Arial" panose="020B0604020202020204" pitchFamily="34" charset="0"/>
+              <a:buChar char="•"/>
+            </a:pPr>
+            <a:r>
+              <a:rPr lang="en-US" dirty="0"/>
+              <a:t>Azure speech to Text, </a:t>
+            </a:r>
+            <a:r>
+              <a:rPr lang="en-US" dirty="0" err="1"/>
+              <a:t>srt</a:t>
+            </a:r>
+            <a:r>
+              <a:rPr lang="en-US" dirty="0"/>
+              <a:t> to ass, and AEGISUB for formatting</a:t>
+            </a:r>
           </a:p>
         </p:txBody>
       </p:sp>
@@ -3929,6 +3948,136 @@
     <p:extLst>
       <p:ext uri="{BB962C8B-B14F-4D97-AF65-F5344CB8AC3E}">
         <p14:creationId xmlns:p14="http://schemas.microsoft.com/office/powerpoint/2010/main" val="2353527499"/>
+      </p:ext>
+    </p:extLst>
+  </p:cSld>
+  <p:clrMapOvr>
+    <a:masterClrMapping/>
+  </p:clrMapOvr>
+</p:sld>
+</file>
+
+<file path=ppt/slides/slide2.xml><?xml version="1.0" encoding="utf-8"?>
+<p:sld xmlns:a="http://schemas.openxmlformats.org/drawingml/2006/main" xmlns:r="http://schemas.openxmlformats.org/officeDocument/2006/relationships" xmlns:p="http://schemas.openxmlformats.org/presentationml/2006/main">
+  <p:cSld>
+    <p:spTree>
+      <p:nvGrpSpPr>
+        <p:cNvPr id="1" name=""/>
+        <p:cNvGrpSpPr/>
+        <p:nvPr/>
+      </p:nvGrpSpPr>
+      <p:grpSpPr>
+        <a:xfrm>
+          <a:off x="0" y="0"/>
+          <a:ext cx="0" cy="0"/>
+          <a:chOff x="0" y="0"/>
+          <a:chExt cx="0" cy="0"/>
+        </a:xfrm>
+      </p:grpSpPr>
+      <p:sp>
+        <p:nvSpPr>
+          <p:cNvPr id="2" name="TextBox 1">
+            <a:extLst>
+              <a:ext uri="{FF2B5EF4-FFF2-40B4-BE49-F238E27FC236}">
+                <a16:creationId xmlns:a16="http://schemas.microsoft.com/office/drawing/2014/main" id="{95CD6156-312C-2315-7043-F15D25F69393}"/>
+              </a:ext>
+            </a:extLst>
+          </p:cNvPr>
+          <p:cNvSpPr txBox="1"/>
+          <p:nvPr/>
+        </p:nvSpPr>
+        <p:spPr>
+          <a:xfrm>
+            <a:off x="785813" y="592931"/>
+            <a:ext cx="10994231" cy="2585323"/>
+          </a:xfrm>
+          <a:prstGeom prst="rect">
+            <a:avLst/>
+          </a:prstGeom>
+          <a:noFill/>
+        </p:spPr>
+        <p:txBody>
+          <a:bodyPr wrap="square" rtlCol="0">
+            <a:spAutoFit/>
+          </a:bodyPr>
+          <a:lstStyle/>
+          <a:p>
+            <a:r>
+              <a:rPr lang="en-US" dirty="0"/>
+              <a:t>Create “</a:t>
+            </a:r>
+            <a:r>
+              <a:rPr lang="en-US" dirty="0" err="1"/>
+              <a:t>cellauto</a:t>
+            </a:r>
+            <a:r>
+              <a:rPr lang="en-US" dirty="0"/>
+              <a:t>” video backgrounds</a:t>
+            </a:r>
+          </a:p>
+          <a:p>
+            <a:r>
+              <a:rPr lang="en-US" dirty="0"/>
+              <a:t>Create “life” animated backgrounds</a:t>
+            </a:r>
+          </a:p>
+          <a:p>
+            <a:r>
+              <a:rPr lang="en-US" dirty="0"/>
+              <a:t>MICROSOFT: Text-to-speech from caption</a:t>
+            </a:r>
+          </a:p>
+          <a:p>
+            <a:r>
+              <a:rPr lang="en-US" dirty="0" err="1"/>
+              <a:t>Concat</a:t>
+            </a:r>
+            <a:r>
+              <a:rPr lang="en-US" dirty="0"/>
+              <a:t> audio files</a:t>
+            </a:r>
+          </a:p>
+          <a:p>
+            <a:r>
+              <a:rPr lang="en-US" dirty="0"/>
+              <a:t>Cut and fade an audio file</a:t>
+            </a:r>
+          </a:p>
+          <a:p>
+            <a:r>
+              <a:rPr lang="en-US" dirty="0"/>
+              <a:t>Scale images to 1920 and 1080 height</a:t>
+            </a:r>
+          </a:p>
+          <a:p>
+            <a:r>
+              <a:rPr lang="en-US" dirty="0"/>
+              <a:t>Pan images to videos</a:t>
+            </a:r>
+          </a:p>
+          <a:p>
+            <a:r>
+              <a:rPr lang="en-US" dirty="0"/>
+              <a:t>Create PNGs from captions</a:t>
+            </a:r>
+          </a:p>
+          <a:p>
+            <a:r>
+              <a:rPr lang="en-US" dirty="0"/>
+              <a:t>Add those PNGs to any video (</a:t>
+            </a:r>
+            <a:r>
+              <a:rPr lang="en-US"/>
+              <a:t>created above)</a:t>
+            </a:r>
+            <a:endParaRPr lang="en-US" dirty="0"/>
+          </a:p>
+        </p:txBody>
+      </p:sp>
+    </p:spTree>
+    <p:extLst>
+      <p:ext uri="{BB962C8B-B14F-4D97-AF65-F5344CB8AC3E}">
+        <p14:creationId xmlns:p14="http://schemas.microsoft.com/office/powerpoint/2010/main" val="1180172419"/>
       </p:ext>
     </p:extLst>
   </p:cSld>

--- a/Tech_Options.pptx
+++ b/Tech_Options.pptx
@@ -260,7 +260,7 @@
           <a:p>
             <a:fld id="{AE0BF845-DBD1-477C-A443-6453908E82A6}" type="datetimeFigureOut">
               <a:rPr lang="en-US" smtClean="0"/>
-              <a:t>3/3/2023</a:t>
+              <a:t>3/18/2023</a:t>
             </a:fld>
             <a:endParaRPr lang="en-US"/>
           </a:p>
@@ -458,7 +458,7 @@
           <a:p>
             <a:fld id="{AE0BF845-DBD1-477C-A443-6453908E82A6}" type="datetimeFigureOut">
               <a:rPr lang="en-US" smtClean="0"/>
-              <a:t>3/3/2023</a:t>
+              <a:t>3/18/2023</a:t>
             </a:fld>
             <a:endParaRPr lang="en-US"/>
           </a:p>
@@ -666,7 +666,7 @@
           <a:p>
             <a:fld id="{AE0BF845-DBD1-477C-A443-6453908E82A6}" type="datetimeFigureOut">
               <a:rPr lang="en-US" smtClean="0"/>
-              <a:t>3/3/2023</a:t>
+              <a:t>3/18/2023</a:t>
             </a:fld>
             <a:endParaRPr lang="en-US"/>
           </a:p>
@@ -864,7 +864,7 @@
           <a:p>
             <a:fld id="{AE0BF845-DBD1-477C-A443-6453908E82A6}" type="datetimeFigureOut">
               <a:rPr lang="en-US" smtClean="0"/>
-              <a:t>3/3/2023</a:t>
+              <a:t>3/18/2023</a:t>
             </a:fld>
             <a:endParaRPr lang="en-US"/>
           </a:p>
@@ -1139,7 +1139,7 @@
           <a:p>
             <a:fld id="{AE0BF845-DBD1-477C-A443-6453908E82A6}" type="datetimeFigureOut">
               <a:rPr lang="en-US" smtClean="0"/>
-              <a:t>3/3/2023</a:t>
+              <a:t>3/18/2023</a:t>
             </a:fld>
             <a:endParaRPr lang="en-US"/>
           </a:p>
@@ -1404,7 +1404,7 @@
           <a:p>
             <a:fld id="{AE0BF845-DBD1-477C-A443-6453908E82A6}" type="datetimeFigureOut">
               <a:rPr lang="en-US" smtClean="0"/>
-              <a:t>3/3/2023</a:t>
+              <a:t>3/18/2023</a:t>
             </a:fld>
             <a:endParaRPr lang="en-US"/>
           </a:p>
@@ -1816,7 +1816,7 @@
           <a:p>
             <a:fld id="{AE0BF845-DBD1-477C-A443-6453908E82A6}" type="datetimeFigureOut">
               <a:rPr lang="en-US" smtClean="0"/>
-              <a:t>3/3/2023</a:t>
+              <a:t>3/18/2023</a:t>
             </a:fld>
             <a:endParaRPr lang="en-US"/>
           </a:p>
@@ -1957,7 +1957,7 @@
           <a:p>
             <a:fld id="{AE0BF845-DBD1-477C-A443-6453908E82A6}" type="datetimeFigureOut">
               <a:rPr lang="en-US" smtClean="0"/>
-              <a:t>3/3/2023</a:t>
+              <a:t>3/18/2023</a:t>
             </a:fld>
             <a:endParaRPr lang="en-US"/>
           </a:p>
@@ -2070,7 +2070,7 @@
           <a:p>
             <a:fld id="{AE0BF845-DBD1-477C-A443-6453908E82A6}" type="datetimeFigureOut">
               <a:rPr lang="en-US" smtClean="0"/>
-              <a:t>3/3/2023</a:t>
+              <a:t>3/18/2023</a:t>
             </a:fld>
             <a:endParaRPr lang="en-US"/>
           </a:p>
@@ -2381,7 +2381,7 @@
           <a:p>
             <a:fld id="{AE0BF845-DBD1-477C-A443-6453908E82A6}" type="datetimeFigureOut">
               <a:rPr lang="en-US" smtClean="0"/>
-              <a:t>3/3/2023</a:t>
+              <a:t>3/18/2023</a:t>
             </a:fld>
             <a:endParaRPr lang="en-US"/>
           </a:p>
@@ -2669,7 +2669,7 @@
           <a:p>
             <a:fld id="{AE0BF845-DBD1-477C-A443-6453908E82A6}" type="datetimeFigureOut">
               <a:rPr lang="en-US" smtClean="0"/>
-              <a:t>3/3/2023</a:t>
+              <a:t>3/18/2023</a:t>
             </a:fld>
             <a:endParaRPr lang="en-US"/>
           </a:p>
@@ -2910,7 +2910,7 @@
           <a:p>
             <a:fld id="{AE0BF845-DBD1-477C-A443-6453908E82A6}" type="datetimeFigureOut">
               <a:rPr lang="en-US" smtClean="0"/>
-              <a:t>3/3/2023</a:t>
+              <a:t>3/18/2023</a:t>
             </a:fld>
             <a:endParaRPr lang="en-US"/>
           </a:p>
@@ -3636,7 +3636,7 @@
         <p:spPr>
           <a:xfrm>
             <a:off x="7945214" y="1890031"/>
-            <a:ext cx="2812597" cy="646331"/>
+            <a:ext cx="2812597" cy="923330"/>
           </a:xfrm>
           <a:prstGeom prst="rect">
             <a:avLst/>
@@ -3648,6 +3648,16 @@
             <a:spAutoFit/>
           </a:bodyPr>
           <a:lstStyle/>
+          <a:p>
+            <a:pPr marL="285750" indent="-285750">
+              <a:buFont typeface="Arial" panose="020B0604020202020204" pitchFamily="34" charset="0"/>
+              <a:buChar char="•"/>
+            </a:pPr>
+            <a:r>
+              <a:rPr lang="en-US" dirty="0"/>
+              <a:t>Google Text-to-Speech</a:t>
+            </a:r>
+          </a:p>
           <a:p>
             <a:pPr marL="285750" indent="-285750">
               <a:buFont typeface="Arial" panose="020B0604020202020204" pitchFamily="34" charset="0"/>
@@ -3724,7 +3734,7 @@
         <p:spPr>
           <a:xfrm>
             <a:off x="1152524" y="4321638"/>
-            <a:ext cx="2812597" cy="923330"/>
+            <a:ext cx="2812597" cy="1200329"/>
           </a:xfrm>
           <a:prstGeom prst="rect">
             <a:avLst/>
@@ -3765,6 +3775,17 @@
               <a:rPr lang="en-US" dirty="0"/>
               <a:t>Canva</a:t>
             </a:r>
+          </a:p>
+          <a:p>
+            <a:pPr marL="285750" indent="-285750">
+              <a:buFont typeface="Arial" panose="020B0604020202020204" pitchFamily="34" charset="0"/>
+              <a:buChar char="•"/>
+            </a:pPr>
+            <a:r>
+              <a:rPr lang="en-US" dirty="0" err="1"/>
+              <a:t>CapCut</a:t>
+            </a:r>
+            <a:endParaRPr lang="en-US" dirty="0"/>
           </a:p>
         </p:txBody>
       </p:sp>
@@ -3818,7 +3839,7 @@
         <p:spPr>
           <a:xfrm>
             <a:off x="4427763" y="4260254"/>
-            <a:ext cx="5377544" cy="1754326"/>
+            <a:ext cx="5377544" cy="2031325"/>
           </a:xfrm>
           <a:prstGeom prst="rect">
             <a:avLst/>
@@ -3897,6 +3918,16 @@
             <a:r>
               <a:rPr lang="en-US" dirty="0"/>
               <a:t>OBS</a:t>
+            </a:r>
+          </a:p>
+          <a:p>
+            <a:pPr marL="285750" indent="-285750">
+              <a:buFont typeface="Arial" panose="020B0604020202020204" pitchFamily="34" charset="0"/>
+              <a:buChar char="•"/>
+            </a:pPr>
+            <a:r>
+              <a:rPr lang="en-US" dirty="0"/>
+              <a:t>Adobe Character Animator</a:t>
             </a:r>
           </a:p>
         </p:txBody>
